--- a/Week 11 presentation/Presentation2.pptx
+++ b/Week 11 presentation/Presentation2.pptx
@@ -254,7 +254,7 @@
           <a:p>
             <a:fld id="{C764DE79-268F-4C1A-8933-263129D2AF90}" type="datetimeFigureOut">
               <a:rPr lang="en-US" dirty="0"/>
-              <a:t>3/12/23</a:t>
+              <a:t>3/19/23</a:t>
             </a:fld>
             <a:endParaRPr lang="en-US"/>
           </a:p>
@@ -422,7 +422,7 @@
           <a:p>
             <a:fld id="{C764DE79-268F-4C1A-8933-263129D2AF90}" type="datetimeFigureOut">
               <a:rPr lang="en-US" dirty="0"/>
-              <a:t>3/12/23</a:t>
+              <a:t>3/19/23</a:t>
             </a:fld>
             <a:endParaRPr lang="en-US"/>
           </a:p>
@@ -600,7 +600,7 @@
           <a:p>
             <a:fld id="{C764DE79-268F-4C1A-8933-263129D2AF90}" type="datetimeFigureOut">
               <a:rPr lang="en-US" dirty="0"/>
-              <a:t>3/12/23</a:t>
+              <a:t>3/19/23</a:t>
             </a:fld>
             <a:endParaRPr lang="en-US"/>
           </a:p>
@@ -768,7 +768,7 @@
           <a:p>
             <a:fld id="{C764DE79-268F-4C1A-8933-263129D2AF90}" type="datetimeFigureOut">
               <a:rPr lang="en-US" dirty="0"/>
-              <a:t>3/12/23</a:t>
+              <a:t>3/19/23</a:t>
             </a:fld>
             <a:endParaRPr lang="en-US"/>
           </a:p>
@@ -1013,7 +1013,7 @@
           <a:p>
             <a:fld id="{C764DE79-268F-4C1A-8933-263129D2AF90}" type="datetimeFigureOut">
               <a:rPr lang="en-US" dirty="0"/>
-              <a:t>3/12/23</a:t>
+              <a:t>3/19/23</a:t>
             </a:fld>
             <a:endParaRPr lang="en-US"/>
           </a:p>
@@ -1242,7 +1242,7 @@
           <a:p>
             <a:fld id="{C764DE79-268F-4C1A-8933-263129D2AF90}" type="datetimeFigureOut">
               <a:rPr lang="en-US" dirty="0"/>
-              <a:t>3/12/23</a:t>
+              <a:t>3/19/23</a:t>
             </a:fld>
             <a:endParaRPr lang="en-US"/>
           </a:p>
@@ -1606,7 +1606,7 @@
           <a:p>
             <a:fld id="{C764DE79-268F-4C1A-8933-263129D2AF90}" type="datetimeFigureOut">
               <a:rPr lang="en-US" dirty="0"/>
-              <a:t>3/12/23</a:t>
+              <a:t>3/19/23</a:t>
             </a:fld>
             <a:endParaRPr lang="en-US"/>
           </a:p>
@@ -1723,7 +1723,7 @@
           <a:p>
             <a:fld id="{C764DE79-268F-4C1A-8933-263129D2AF90}" type="datetimeFigureOut">
               <a:rPr lang="en-US" dirty="0"/>
-              <a:t>3/12/23</a:t>
+              <a:t>3/19/23</a:t>
             </a:fld>
             <a:endParaRPr lang="en-US"/>
           </a:p>
@@ -1818,7 +1818,7 @@
           <a:p>
             <a:fld id="{C764DE79-268F-4C1A-8933-263129D2AF90}" type="datetimeFigureOut">
               <a:rPr lang="en-US" dirty="0"/>
-              <a:t>3/12/23</a:t>
+              <a:t>3/19/23</a:t>
             </a:fld>
             <a:endParaRPr lang="en-US"/>
           </a:p>
@@ -2093,7 +2093,7 @@
           <a:p>
             <a:fld id="{C764DE79-268F-4C1A-8933-263129D2AF90}" type="datetimeFigureOut">
               <a:rPr lang="en-US" dirty="0"/>
-              <a:t>3/12/23</a:t>
+              <a:t>3/19/23</a:t>
             </a:fld>
             <a:endParaRPr lang="en-US"/>
           </a:p>
@@ -2348,7 +2348,7 @@
           <a:p>
             <a:fld id="{C764DE79-268F-4C1A-8933-263129D2AF90}" type="datetimeFigureOut">
               <a:rPr lang="en-US" dirty="0"/>
-              <a:t>3/12/23</a:t>
+              <a:t>3/19/23</a:t>
             </a:fld>
             <a:endParaRPr lang="en-US"/>
           </a:p>
@@ -2559,7 +2559,7 @@
           <a:p>
             <a:fld id="{C764DE79-268F-4C1A-8933-263129D2AF90}" type="datetimeFigureOut">
               <a:rPr lang="en-US" dirty="0"/>
-              <a:t>3/12/23</a:t>
+              <a:t>3/19/23</a:t>
             </a:fld>
             <a:endParaRPr lang="en-US"/>
           </a:p>
@@ -3507,7 +3507,24 @@
             </a:r>
           </a:p>
           <a:p>
-            <a:endParaRPr lang="en-US" sz="2200" dirty="0"/>
+            <a:r>
+              <a:rPr lang="en-US" sz="2200" b="1" dirty="0">
+                <a:latin typeface="Helvetica Neue" panose="02000503000000020004" pitchFamily="2" charset="0"/>
+                <a:ea typeface="Helvetica Neue" panose="02000503000000020004" pitchFamily="2" charset="0"/>
+                <a:cs typeface="Helvetica Neue" panose="02000503000000020004" pitchFamily="2" charset="0"/>
+              </a:rPr>
+              <a:t>The number of contacts are centered mostly at the range below 10</a:t>
+            </a:r>
+          </a:p>
+          <a:p>
+            <a:r>
+              <a:rPr lang="en-US" sz="2200" b="1" dirty="0">
+                <a:latin typeface="Helvetica Neue" panose="02000503000000020004" pitchFamily="2" charset="0"/>
+                <a:ea typeface="Helvetica Neue" panose="02000503000000020004" pitchFamily="2" charset="0"/>
+                <a:cs typeface="Helvetica Neue" panose="02000503000000020004" pitchFamily="2" charset="0"/>
+              </a:rPr>
+              <a:t>Age is uncertainty. The fluctuation is very big as age goes up.</a:t>
+            </a:r>
           </a:p>
         </p:txBody>
       </p:sp>
@@ -3990,7 +4007,14 @@
             </a:r>
           </a:p>
           <a:p>
-            <a:endParaRPr lang="en-US" sz="2200" dirty="0"/>
+            <a:r>
+              <a:rPr lang="en-US" sz="2200" b="1" dirty="0">
+                <a:latin typeface="Helvetica Neue" panose="02000503000000020004" pitchFamily="2" charset="0"/>
+                <a:ea typeface="Helvetica Neue" panose="02000503000000020004" pitchFamily="2" charset="0"/>
+                <a:cs typeface="Helvetica Neue" panose="02000503000000020004" pitchFamily="2" charset="0"/>
+              </a:rPr>
+              <a:t>Number of previous contacts is most effective when p-days equal to 5.</a:t>
+            </a:r>
           </a:p>
         </p:txBody>
       </p:sp>
@@ -4265,27 +4289,7 @@
                 <a:effectLst/>
                 <a:latin typeface="Helvetica Neue" panose="02000503000000020004" pitchFamily="2" charset="0"/>
               </a:rPr>
-              <a:t>SVM (Linear SVM, SVM with different </a:t>
-            </a:r>
-            <a:r>
-              <a:rPr lang="en-US" sz="2000" b="1" i="0" dirty="0" err="1">
-                <a:solidFill>
-                  <a:srgbClr val="000000"/>
-                </a:solidFill>
-                <a:effectLst/>
-                <a:latin typeface="Helvetica Neue" panose="02000503000000020004" pitchFamily="2" charset="0"/>
-              </a:rPr>
-              <a:t>kernals</a:t>
-            </a:r>
-            <a:r>
-              <a:rPr lang="en-US" sz="2000" b="1" i="0" dirty="0">
-                <a:solidFill>
-                  <a:srgbClr val="000000"/>
-                </a:solidFill>
-                <a:effectLst/>
-                <a:latin typeface="Helvetica Neue" panose="02000503000000020004" pitchFamily="2" charset="0"/>
-              </a:rPr>
-              <a:t>)</a:t>
+              <a:t>SVM (Linear SVM, SVM with different kernels)</a:t>
             </a:r>
           </a:p>
           <a:p>
@@ -6625,6 +6629,21 @@
             </a:r>
           </a:p>
           <a:p>
+            <a:r>
+              <a:rPr lang="en-US" sz="2200" b="1" i="0" dirty="0">
+                <a:effectLst/>
+                <a:latin typeface="Helvetica Neue" panose="02000503000000020004" pitchFamily="2" charset="0"/>
+              </a:rPr>
+              <a:t>Marital does not have much effects</a:t>
+            </a:r>
+          </a:p>
+          <a:p>
+            <a:r>
+              <a:rPr lang="en-US" sz="2200" b="1" dirty="0">
+                <a:latin typeface="Helvetica Neue" panose="02000503000000020004" pitchFamily="2" charset="0"/>
+              </a:rPr>
+              <a:t>Clients have records of Previous Marketing Campaign have significantly higher outcome.</a:t>
+            </a:r>
             <a:endParaRPr lang="en-US" sz="2200" dirty="0"/>
           </a:p>
         </p:txBody>
@@ -7108,7 +7127,34 @@
             </a:r>
           </a:p>
           <a:p>
-            <a:endParaRPr lang="en-US" sz="2200" dirty="0"/>
+            <a:r>
+              <a:rPr lang="en-US" sz="2200" b="1" dirty="0">
+                <a:latin typeface="Helvetica Neue" panose="02000503000000020004" pitchFamily="2" charset="0"/>
+                <a:ea typeface="Helvetica Neue" panose="02000503000000020004" pitchFamily="2" charset="0"/>
+                <a:cs typeface="Helvetica Neue" panose="02000503000000020004" pitchFamily="2" charset="0"/>
+              </a:rPr>
+              <a:t>Peak: Dec – Mar</a:t>
+            </a:r>
+          </a:p>
+          <a:p>
+            <a:r>
+              <a:rPr lang="en-US" sz="2200" b="1" dirty="0">
+                <a:latin typeface="Helvetica Neue" panose="02000503000000020004" pitchFamily="2" charset="0"/>
+                <a:ea typeface="Helvetica Neue" panose="02000503000000020004" pitchFamily="2" charset="0"/>
+                <a:cs typeface="Helvetica Neue" panose="02000503000000020004" pitchFamily="2" charset="0"/>
+              </a:rPr>
+              <a:t>Low: May – Aug</a:t>
+            </a:r>
+          </a:p>
+          <a:p>
+            <a:r>
+              <a:rPr lang="en-US" sz="2200" b="1" dirty="0">
+                <a:latin typeface="Helvetica Neue" panose="02000503000000020004" pitchFamily="2" charset="0"/>
+                <a:ea typeface="Helvetica Neue" panose="02000503000000020004" pitchFamily="2" charset="0"/>
+                <a:cs typeface="Helvetica Neue" panose="02000503000000020004" pitchFamily="2" charset="0"/>
+              </a:rPr>
+              <a:t>No obvious weekly seasonal trends detected</a:t>
+            </a:r>
           </a:p>
         </p:txBody>
       </p:sp>
